--- a/logoSlide.pptx
+++ b/logoSlide.pptx
@@ -104,6 +104,11 @@
       </a:defRPr>
     </a:lvl9pPr>
   </p:defaultTextStyle>
+  <p:extLst>
+    <p:ext uri="{EFAFB233-063F-42B5-8137-9DF3F51BA10A}">
+      <p15:sldGuideLst xmlns:p15="http://schemas.microsoft.com/office/powerpoint/2012/main"/>
+    </p:ext>
+  </p:extLst>
 </p:presentation>
 </file>
 
@@ -6150,8 +6155,8 @@
         </p:nvSpPr>
         <p:spPr>
           <a:xfrm>
-            <a:off x="3599051" y="2236739"/>
-            <a:ext cx="4993894" cy="1388534"/>
+            <a:off x="3956709" y="2386060"/>
+            <a:ext cx="4461164" cy="1388534"/>
           </a:xfrm>
         </p:spPr>
         <p:txBody>
@@ -6231,7 +6236,7 @@
         </p:nvSpPr>
         <p:spPr>
           <a:xfrm>
-            <a:off x="3774124" y="3802303"/>
+            <a:off x="3774126" y="3777673"/>
             <a:ext cx="4643747" cy="1388534"/>
           </a:xfrm>
         </p:spPr>
